--- a/CSC 690 Capstone Project (1).pptx
+++ b/CSC 690 Capstone Project (1).pptx
@@ -338,7 +338,7 @@
           </c:val>
           <c:extLst>
             <c:ext xmlns:c16="http://schemas.microsoft.com/office/drawing/2014/chart" uri="{C3380CC4-5D6E-409C-BE32-E72D297353CC}">
-              <c16:uniqueId val="{00000000-BA47-400A-A281-3D4ED154C11E}"/>
+              <c16:uniqueId val="{00000000-F010-40CC-AC0C-47487B4F9661}"/>
             </c:ext>
           </c:extLst>
         </c:ser>
@@ -458,19 +458,19 @@
                 <c:formatCode>General</c:formatCode>
                 <c:ptCount val="9"/>
                 <c:pt idx="0">
-                  <c:v>11</c:v>
+                  <c:v>20</c:v>
                 </c:pt>
                 <c:pt idx="1">
-                  <c:v>4</c:v>
+                  <c:v>20</c:v>
                 </c:pt>
                 <c:pt idx="2">
                   <c:v>15</c:v>
                 </c:pt>
                 <c:pt idx="3">
-                  <c:v>7</c:v>
+                  <c:v>20</c:v>
                 </c:pt>
                 <c:pt idx="4">
-                  <c:v>13</c:v>
+                  <c:v>40</c:v>
                 </c:pt>
                 <c:pt idx="5">
                   <c:v>18</c:v>
@@ -479,7 +479,7 @@
                   <c:v>10</c:v>
                 </c:pt>
                 <c:pt idx="7">
-                  <c:v>1</c:v>
+                  <c:v>10</c:v>
                 </c:pt>
                 <c:pt idx="8">
                   <c:v>5</c:v>
@@ -489,7 +489,7 @@
           </c:val>
           <c:extLst>
             <c:ext xmlns:c16="http://schemas.microsoft.com/office/drawing/2014/chart" uri="{C3380CC4-5D6E-409C-BE32-E72D297353CC}">
-              <c16:uniqueId val="{00000001-BA47-400A-A281-3D4ED154C11E}"/>
+              <c16:uniqueId val="{00000001-F010-40CC-AC0C-47487B4F9661}"/>
             </c:ext>
           </c:extLst>
         </c:ser>
@@ -6658,7 +6658,7 @@
       </p:sp>
       <p:graphicFrame>
         <p:nvGraphicFramePr>
-          <p:cNvPr id="6" name="Content Placeholder 5">
+          <p:cNvPr id="7" name="Content Placeholder 6">
             <a:extLst>
               <a:ext uri="{FF2B5EF4-FFF2-40B4-BE49-F238E27FC236}">
                 <a16:creationId xmlns:a16="http://schemas.microsoft.com/office/drawing/2014/main" id="{042F626A-576B-4D31-9D34-C03163E6ADD2}"/>
